--- a/Documents/Proyecto Final v1.0.1.pptx
+++ b/Documents/Proyecto Final v1.0.1.pptx
@@ -1159,6 +1159,13 @@
         </dgm:presLayoutVars>
       </dgm:prSet>
       <dgm:spPr/>
+      <dgm:t>
+        <a:bodyPr/>
+        <a:lstStyle/>
+        <a:p>
+          <a:endParaRPr lang="en-US"/>
+        </a:p>
+      </dgm:t>
     </dgm:pt>
     <dgm:pt modelId="{F85D502E-3B70-4903-8CE2-C2A15350E457}" type="pres">
       <dgm:prSet presAssocID="{60791291-24E8-4CB5-B2A6-8D472B10A79E}" presName="dummyMaxCanvas" presStyleCnt="0">
@@ -1173,6 +1180,13 @@
         </dgm:presLayoutVars>
       </dgm:prSet>
       <dgm:spPr/>
+      <dgm:t>
+        <a:bodyPr/>
+        <a:lstStyle/>
+        <a:p>
+          <a:endParaRPr lang="en-US"/>
+        </a:p>
+      </dgm:t>
     </dgm:pt>
     <dgm:pt modelId="{43185097-920D-42F1-B72F-AF0BA68AE084}" type="pres">
       <dgm:prSet presAssocID="{60791291-24E8-4CB5-B2A6-8D472B10A79E}" presName="FourNodes_2" presStyleLbl="node1" presStyleIdx="1" presStyleCnt="4">
@@ -1181,6 +1195,13 @@
         </dgm:presLayoutVars>
       </dgm:prSet>
       <dgm:spPr/>
+      <dgm:t>
+        <a:bodyPr/>
+        <a:lstStyle/>
+        <a:p>
+          <a:endParaRPr lang="en-US"/>
+        </a:p>
+      </dgm:t>
     </dgm:pt>
     <dgm:pt modelId="{F3E0A626-E78D-43D5-80D9-09CD8B7987B1}" type="pres">
       <dgm:prSet presAssocID="{60791291-24E8-4CB5-B2A6-8D472B10A79E}" presName="FourNodes_3" presStyleLbl="node1" presStyleIdx="2" presStyleCnt="4">
@@ -1189,6 +1210,13 @@
         </dgm:presLayoutVars>
       </dgm:prSet>
       <dgm:spPr/>
+      <dgm:t>
+        <a:bodyPr/>
+        <a:lstStyle/>
+        <a:p>
+          <a:endParaRPr lang="en-US"/>
+        </a:p>
+      </dgm:t>
     </dgm:pt>
     <dgm:pt modelId="{15B6A192-1252-42F3-B77D-D3829EA8DD4E}" type="pres">
       <dgm:prSet presAssocID="{60791291-24E8-4CB5-B2A6-8D472B10A79E}" presName="FourNodes_4" presStyleLbl="node1" presStyleIdx="3" presStyleCnt="4">
@@ -1212,6 +1240,13 @@
         </dgm:presLayoutVars>
       </dgm:prSet>
       <dgm:spPr/>
+      <dgm:t>
+        <a:bodyPr/>
+        <a:lstStyle/>
+        <a:p>
+          <a:endParaRPr lang="en-US"/>
+        </a:p>
+      </dgm:t>
     </dgm:pt>
     <dgm:pt modelId="{CC1CAE87-3768-4F71-A1AC-366C20718918}" type="pres">
       <dgm:prSet presAssocID="{60791291-24E8-4CB5-B2A6-8D472B10A79E}" presName="FourConn_2-3" presStyleLbl="fgAccFollowNode1" presStyleIdx="1" presStyleCnt="3">
@@ -1220,6 +1255,13 @@
         </dgm:presLayoutVars>
       </dgm:prSet>
       <dgm:spPr/>
+      <dgm:t>
+        <a:bodyPr/>
+        <a:lstStyle/>
+        <a:p>
+          <a:endParaRPr lang="en-US"/>
+        </a:p>
+      </dgm:t>
     </dgm:pt>
     <dgm:pt modelId="{1DB33CB4-0F0D-42A3-A5A2-F390FDFE7CA6}" type="pres">
       <dgm:prSet presAssocID="{60791291-24E8-4CB5-B2A6-8D472B10A79E}" presName="FourConn_3-4" presStyleLbl="fgAccFollowNode1" presStyleIdx="2" presStyleCnt="3">
@@ -1228,6 +1270,13 @@
         </dgm:presLayoutVars>
       </dgm:prSet>
       <dgm:spPr/>
+      <dgm:t>
+        <a:bodyPr/>
+        <a:lstStyle/>
+        <a:p>
+          <a:endParaRPr lang="en-US"/>
+        </a:p>
+      </dgm:t>
     </dgm:pt>
     <dgm:pt modelId="{D6C4EB1E-9543-4429-93D3-7F60466EF802}" type="pres">
       <dgm:prSet presAssocID="{60791291-24E8-4CB5-B2A6-8D472B10A79E}" presName="FourNodes_1_text" presStyleLbl="node1" presStyleIdx="3" presStyleCnt="4">
@@ -1236,6 +1285,13 @@
         </dgm:presLayoutVars>
       </dgm:prSet>
       <dgm:spPr/>
+      <dgm:t>
+        <a:bodyPr/>
+        <a:lstStyle/>
+        <a:p>
+          <a:endParaRPr lang="en-US"/>
+        </a:p>
+      </dgm:t>
     </dgm:pt>
     <dgm:pt modelId="{D5F755F4-A6C7-48BB-9FA5-D84CA3520EBC}" type="pres">
       <dgm:prSet presAssocID="{60791291-24E8-4CB5-B2A6-8D472B10A79E}" presName="FourNodes_2_text" presStyleLbl="node1" presStyleIdx="3" presStyleCnt="4">
@@ -1244,6 +1300,13 @@
         </dgm:presLayoutVars>
       </dgm:prSet>
       <dgm:spPr/>
+      <dgm:t>
+        <a:bodyPr/>
+        <a:lstStyle/>
+        <a:p>
+          <a:endParaRPr lang="en-US"/>
+        </a:p>
+      </dgm:t>
     </dgm:pt>
     <dgm:pt modelId="{936909F9-CA01-486E-9C79-A58F8831BD5B}" type="pres">
       <dgm:prSet presAssocID="{60791291-24E8-4CB5-B2A6-8D472B10A79E}" presName="FourNodes_3_text" presStyleLbl="node1" presStyleIdx="3" presStyleCnt="4">
@@ -1252,6 +1315,13 @@
         </dgm:presLayoutVars>
       </dgm:prSet>
       <dgm:spPr/>
+      <dgm:t>
+        <a:bodyPr/>
+        <a:lstStyle/>
+        <a:p>
+          <a:endParaRPr lang="en-US"/>
+        </a:p>
+      </dgm:t>
     </dgm:pt>
     <dgm:pt modelId="{AB3AFAA9-29F6-4C4F-9C24-ECF1693FB67F}" type="pres">
       <dgm:prSet presAssocID="{60791291-24E8-4CB5-B2A6-8D472B10A79E}" presName="FourNodes_4_text" presStyleLbl="node1" presStyleIdx="3" presStyleCnt="4">
@@ -1270,22 +1340,22 @@
     </dgm:pt>
   </dgm:ptLst>
   <dgm:cxnLst>
-    <dgm:cxn modelId="{FF7C8BB6-23A7-4101-910D-036AB1D8321F}" type="presOf" srcId="{60791291-24E8-4CB5-B2A6-8D472B10A79E}" destId="{023F9FF4-C980-487E-9E22-8D1F48B4685C}" srcOrd="0" destOrd="0" presId="urn:microsoft.com/office/officeart/2005/8/layout/vProcess5"/>
-    <dgm:cxn modelId="{7A1C83F3-DF9C-4C88-B216-329D1A9BBA09}" type="presOf" srcId="{DC5A5301-7BC2-41F9-8E30-BED21DA394D6}" destId="{D5F755F4-A6C7-48BB-9FA5-D84CA3520EBC}" srcOrd="1" destOrd="0" presId="urn:microsoft.com/office/officeart/2005/8/layout/vProcess5"/>
-    <dgm:cxn modelId="{2851FCEF-ECCE-43D5-BCDE-D254AE3BC65E}" type="presOf" srcId="{FCCC7E2E-CBC4-4F4B-854E-C6555FEE4A53}" destId="{F3E0A626-E78D-43D5-80D9-09CD8B7987B1}" srcOrd="0" destOrd="0" presId="urn:microsoft.com/office/officeart/2005/8/layout/vProcess5"/>
-    <dgm:cxn modelId="{E761FA48-A29F-44EA-A0E8-478C154CEB1D}" type="presOf" srcId="{A463E832-61E3-43E8-A289-1C06C5F91DE1}" destId="{AB3AFAA9-29F6-4C4F-9C24-ECF1693FB67F}" srcOrd="1" destOrd="0" presId="urn:microsoft.com/office/officeart/2005/8/layout/vProcess5"/>
-    <dgm:cxn modelId="{55AADB37-53FA-4A68-971F-70FA4D08A2D2}" type="presOf" srcId="{830FBF6D-F2D6-41AD-9F36-D86EA19E13E7}" destId="{D7BA7E32-0534-4BAD-86B7-989D55A82FD7}" srcOrd="0" destOrd="0" presId="urn:microsoft.com/office/officeart/2005/8/layout/vProcess5"/>
     <dgm:cxn modelId="{63CE3BC0-E0C5-47C1-9C12-3390DD177193}" type="presOf" srcId="{5302767B-1890-4124-B19C-57D759E92515}" destId="{1DB33CB4-0F0D-42A3-A5A2-F390FDFE7CA6}" srcOrd="0" destOrd="0" presId="urn:microsoft.com/office/officeart/2005/8/layout/vProcess5"/>
-    <dgm:cxn modelId="{3C93441E-A191-437A-9F67-000920F96541}" type="presOf" srcId="{6D9D3AA4-971D-4DCA-8DBE-182982FAC6D4}" destId="{CC1CAE87-3768-4F71-A1AC-366C20718918}" srcOrd="0" destOrd="0" presId="urn:microsoft.com/office/officeart/2005/8/layout/vProcess5"/>
     <dgm:cxn modelId="{CBFEF946-43CD-492E-9EDF-D49DB6817E5E}" type="presOf" srcId="{3C1594A4-EEA1-4745-96DE-0B41EB162222}" destId="{3324C7DA-AB55-495B-9A05-0F458EE65D2E}" srcOrd="0" destOrd="0" presId="urn:microsoft.com/office/officeart/2005/8/layout/vProcess5"/>
+    <dgm:cxn modelId="{921A2640-5E6C-4747-9F53-4C123975C94C}" srcId="{60791291-24E8-4CB5-B2A6-8D472B10A79E}" destId="{A463E832-61E3-43E8-A289-1C06C5F91DE1}" srcOrd="3" destOrd="0" parTransId="{3452A1C8-797F-4449-8671-EDBE07BA0F21}" sibTransId="{E3C238C0-F37C-4E56-9228-558B6AE74BC4}"/>
     <dgm:cxn modelId="{3DEBB623-AF29-449E-8B7B-982286960E7F}" srcId="{60791291-24E8-4CB5-B2A6-8D472B10A79E}" destId="{FCCC7E2E-CBC4-4F4B-854E-C6555FEE4A53}" srcOrd="2" destOrd="0" parTransId="{775129F5-42BA-4F5E-9AFA-4DFAC16223D0}" sibTransId="{5302767B-1890-4124-B19C-57D759E92515}"/>
     <dgm:cxn modelId="{53DA4A03-34B9-442A-9772-34617B301879}" srcId="{60791291-24E8-4CB5-B2A6-8D472B10A79E}" destId="{DC5A5301-7BC2-41F9-8E30-BED21DA394D6}" srcOrd="1" destOrd="0" parTransId="{CE920FF7-491C-4563-ADB5-AB2AB08BEEB1}" sibTransId="{6D9D3AA4-971D-4DCA-8DBE-182982FAC6D4}"/>
+    <dgm:cxn modelId="{88425E5D-76A6-4CCB-8227-EB4285708BEF}" type="presOf" srcId="{A463E832-61E3-43E8-A289-1C06C5F91DE1}" destId="{15B6A192-1252-42F3-B77D-D3829EA8DD4E}" srcOrd="0" destOrd="0" presId="urn:microsoft.com/office/officeart/2005/8/layout/vProcess5"/>
+    <dgm:cxn modelId="{3C93441E-A191-437A-9F67-000920F96541}" type="presOf" srcId="{6D9D3AA4-971D-4DCA-8DBE-182982FAC6D4}" destId="{CC1CAE87-3768-4F71-A1AC-366C20718918}" srcOrd="0" destOrd="0" presId="urn:microsoft.com/office/officeart/2005/8/layout/vProcess5"/>
     <dgm:cxn modelId="{80BEBC54-2F5A-4338-9E2C-C8687EC3419B}" srcId="{60791291-24E8-4CB5-B2A6-8D472B10A79E}" destId="{830FBF6D-F2D6-41AD-9F36-D86EA19E13E7}" srcOrd="0" destOrd="0" parTransId="{621ECC1B-AB59-4D03-8B71-0B3B75A925CC}" sibTransId="{3C1594A4-EEA1-4745-96DE-0B41EB162222}"/>
-    <dgm:cxn modelId="{88425E5D-76A6-4CCB-8227-EB4285708BEF}" type="presOf" srcId="{A463E832-61E3-43E8-A289-1C06C5F91DE1}" destId="{15B6A192-1252-42F3-B77D-D3829EA8DD4E}" srcOrd="0" destOrd="0" presId="urn:microsoft.com/office/officeart/2005/8/layout/vProcess5"/>
+    <dgm:cxn modelId="{FF7C8BB6-23A7-4101-910D-036AB1D8321F}" type="presOf" srcId="{60791291-24E8-4CB5-B2A6-8D472B10A79E}" destId="{023F9FF4-C980-487E-9E22-8D1F48B4685C}" srcOrd="0" destOrd="0" presId="urn:microsoft.com/office/officeart/2005/8/layout/vProcess5"/>
+    <dgm:cxn modelId="{E761FA48-A29F-44EA-A0E8-478C154CEB1D}" type="presOf" srcId="{A463E832-61E3-43E8-A289-1C06C5F91DE1}" destId="{AB3AFAA9-29F6-4C4F-9C24-ECF1693FB67F}" srcOrd="1" destOrd="0" presId="urn:microsoft.com/office/officeart/2005/8/layout/vProcess5"/>
+    <dgm:cxn modelId="{2851FCEF-ECCE-43D5-BCDE-D254AE3BC65E}" type="presOf" srcId="{FCCC7E2E-CBC4-4F4B-854E-C6555FEE4A53}" destId="{F3E0A626-E78D-43D5-80D9-09CD8B7987B1}" srcOrd="0" destOrd="0" presId="urn:microsoft.com/office/officeart/2005/8/layout/vProcess5"/>
     <dgm:cxn modelId="{34C28A63-186C-44E6-86FB-07F14DDC3F3D}" type="presOf" srcId="{DC5A5301-7BC2-41F9-8E30-BED21DA394D6}" destId="{43185097-920D-42F1-B72F-AF0BA68AE084}" srcOrd="0" destOrd="0" presId="urn:microsoft.com/office/officeart/2005/8/layout/vProcess5"/>
-    <dgm:cxn modelId="{921A2640-5E6C-4747-9F53-4C123975C94C}" srcId="{60791291-24E8-4CB5-B2A6-8D472B10A79E}" destId="{A463E832-61E3-43E8-A289-1C06C5F91DE1}" srcOrd="3" destOrd="0" parTransId="{3452A1C8-797F-4449-8671-EDBE07BA0F21}" sibTransId="{E3C238C0-F37C-4E56-9228-558B6AE74BC4}"/>
+    <dgm:cxn modelId="{55AADB37-53FA-4A68-971F-70FA4D08A2D2}" type="presOf" srcId="{830FBF6D-F2D6-41AD-9F36-D86EA19E13E7}" destId="{D7BA7E32-0534-4BAD-86B7-989D55A82FD7}" srcOrd="0" destOrd="0" presId="urn:microsoft.com/office/officeart/2005/8/layout/vProcess5"/>
+    <dgm:cxn modelId="{BA9D501F-FB7C-416C-863D-AAA6E20CF698}" type="presOf" srcId="{FCCC7E2E-CBC4-4F4B-854E-C6555FEE4A53}" destId="{936909F9-CA01-486E-9C79-A58F8831BD5B}" srcOrd="1" destOrd="0" presId="urn:microsoft.com/office/officeart/2005/8/layout/vProcess5"/>
+    <dgm:cxn modelId="{7A1C83F3-DF9C-4C88-B216-329D1A9BBA09}" type="presOf" srcId="{DC5A5301-7BC2-41F9-8E30-BED21DA394D6}" destId="{D5F755F4-A6C7-48BB-9FA5-D84CA3520EBC}" srcOrd="1" destOrd="0" presId="urn:microsoft.com/office/officeart/2005/8/layout/vProcess5"/>
     <dgm:cxn modelId="{F6A14BF0-7744-46D4-9D90-945640AFA85E}" type="presOf" srcId="{830FBF6D-F2D6-41AD-9F36-D86EA19E13E7}" destId="{D6C4EB1E-9543-4429-93D3-7F60466EF802}" srcOrd="1" destOrd="0" presId="urn:microsoft.com/office/officeart/2005/8/layout/vProcess5"/>
-    <dgm:cxn modelId="{BA9D501F-FB7C-416C-863D-AAA6E20CF698}" type="presOf" srcId="{FCCC7E2E-CBC4-4F4B-854E-C6555FEE4A53}" destId="{936909F9-CA01-486E-9C79-A58F8831BD5B}" srcOrd="1" destOrd="0" presId="urn:microsoft.com/office/officeart/2005/8/layout/vProcess5"/>
     <dgm:cxn modelId="{FD35A1A3-3E5F-4350-9F2E-30441F07ACF5}" type="presParOf" srcId="{023F9FF4-C980-487E-9E22-8D1F48B4685C}" destId="{F85D502E-3B70-4903-8CE2-C2A15350E457}" srcOrd="0" destOrd="0" presId="urn:microsoft.com/office/officeart/2005/8/layout/vProcess5"/>
     <dgm:cxn modelId="{7FEF166D-BE5A-459C-A52F-65433649FDFC}" type="presParOf" srcId="{023F9FF4-C980-487E-9E22-8D1F48B4685C}" destId="{D7BA7E32-0534-4BAD-86B7-989D55A82FD7}" srcOrd="1" destOrd="0" presId="urn:microsoft.com/office/officeart/2005/8/layout/vProcess5"/>
     <dgm:cxn modelId="{71C03215-E6E4-4185-8747-4F5D7C4A0D98}" type="presParOf" srcId="{023F9FF4-C980-487E-9E22-8D1F48B4685C}" destId="{43185097-920D-42F1-B72F-AF0BA68AE084}" srcOrd="2" destOrd="0" presId="urn:microsoft.com/office/officeart/2005/8/layout/vProcess5"/>
@@ -4396,7 +4466,8 @@
           <a:p>
             <a:fld id="{53F1B9B4-2578-4B3F-8DA4-819C984EA85E}" type="datetimeFigureOut">
               <a:rPr lang="en-US" smtClean="0"/>
-              <a:t>6/20/2010</a:t>
+              <a:pPr/>
+              <a:t>6/21/2010</a:t>
             </a:fld>
             <a:endParaRPr lang="en-US"/>
           </a:p>
@@ -4557,6 +4628,7 @@
           <a:p>
             <a:fld id="{11807881-19BC-4ACD-BBAE-5149F7824E8B}" type="slidenum">
               <a:rPr lang="en-US" smtClean="0"/>
+              <a:pPr/>
               <a:t>‹Nº›</a:t>
             </a:fld>
             <a:endParaRPr lang="en-US"/>
@@ -4752,6 +4824,7 @@
           <a:p>
             <a:fld id="{11807881-19BC-4ACD-BBAE-5149F7824E8B}" type="slidenum">
               <a:rPr lang="en-US" smtClean="0"/>
+              <a:pPr/>
               <a:t>3</a:t>
             </a:fld>
             <a:endParaRPr lang="en-US"/>
@@ -4965,7 +5038,8 @@
           <a:p>
             <a:fld id="{2BA20B01-C19F-409D-BE5A-9CCFB349E6BB}" type="datetimeFigureOut">
               <a:rPr lang="en-US" smtClean="0"/>
-              <a:t>6/20/2010</a:t>
+              <a:pPr/>
+              <a:t>6/21/2010</a:t>
             </a:fld>
             <a:endParaRPr lang="en-US"/>
           </a:p>
@@ -5711,6 +5785,7 @@
           <a:p>
             <a:fld id="{E0F092B3-E7DA-48E5-BFF8-BA8E9DA43328}" type="slidenum">
               <a:rPr lang="en-US" smtClean="0"/>
+              <a:pPr/>
               <a:t>‹Nº›</a:t>
             </a:fld>
             <a:endParaRPr lang="en-US"/>
@@ -5722,6 +5797,9 @@
   <p:clrMapOvr>
     <a:overrideClrMapping bg1="lt1" tx1="dk1" bg2="lt2" tx2="dk2" accent1="accent1" accent2="accent2" accent3="accent3" accent4="accent4" accent5="accent5" accent6="accent6" hlink="hlink" folHlink="folHlink"/>
   </p:clrMapOvr>
+  <p:transition>
+    <p:cover/>
+  </p:transition>
 </p:sldLayout>
 </file>
 
@@ -5834,7 +5912,8 @@
           <a:p>
             <a:fld id="{2BA20B01-C19F-409D-BE5A-9CCFB349E6BB}" type="datetimeFigureOut">
               <a:rPr lang="en-US" smtClean="0"/>
-              <a:t>6/20/2010</a:t>
+              <a:pPr/>
+              <a:t>6/21/2010</a:t>
             </a:fld>
             <a:endParaRPr lang="en-US"/>
           </a:p>
@@ -5876,6 +5955,7 @@
           <a:p>
             <a:fld id="{E0F092B3-E7DA-48E5-BFF8-BA8E9DA43328}" type="slidenum">
               <a:rPr lang="en-US" smtClean="0"/>
+              <a:pPr/>
               <a:t>‹Nº›</a:t>
             </a:fld>
             <a:endParaRPr lang="en-US"/>
@@ -5887,6 +5967,9 @@
   <p:clrMapOvr>
     <a:masterClrMapping/>
   </p:clrMapOvr>
+  <p:transition>
+    <p:cover/>
+  </p:transition>
 </p:sldLayout>
 </file>
 
@@ -6009,7 +6092,8 @@
           <a:p>
             <a:fld id="{2BA20B01-C19F-409D-BE5A-9CCFB349E6BB}" type="datetimeFigureOut">
               <a:rPr lang="en-US" smtClean="0"/>
-              <a:t>6/20/2010</a:t>
+              <a:pPr/>
+              <a:t>6/21/2010</a:t>
             </a:fld>
             <a:endParaRPr lang="en-US"/>
           </a:p>
@@ -6051,6 +6135,7 @@
           <a:p>
             <a:fld id="{E0F092B3-E7DA-48E5-BFF8-BA8E9DA43328}" type="slidenum">
               <a:rPr lang="en-US" smtClean="0"/>
+              <a:pPr/>
               <a:t>‹Nº›</a:t>
             </a:fld>
             <a:endParaRPr lang="en-US"/>
@@ -6062,6 +6147,9 @@
   <p:clrMapOvr>
     <a:masterClrMapping/>
   </p:clrMapOvr>
+  <p:transition>
+    <p:cover/>
+  </p:transition>
 </p:sldLayout>
 </file>
 
@@ -6179,7 +6267,8 @@
           <a:p>
             <a:fld id="{2BA20B01-C19F-409D-BE5A-9CCFB349E6BB}" type="datetimeFigureOut">
               <a:rPr lang="en-US" smtClean="0"/>
-              <a:t>6/20/2010</a:t>
+              <a:pPr/>
+              <a:t>6/21/2010</a:t>
             </a:fld>
             <a:endParaRPr lang="en-US"/>
           </a:p>
@@ -6202,6 +6291,7 @@
           <a:p>
             <a:fld id="{E0F092B3-E7DA-48E5-BFF8-BA8E9DA43328}" type="slidenum">
               <a:rPr lang="en-US" smtClean="0"/>
+              <a:pPr/>
               <a:t>‹Nº›</a:t>
             </a:fld>
             <a:endParaRPr lang="en-US"/>
@@ -6232,6 +6322,9 @@
   <p:clrMapOvr>
     <a:masterClrMapping/>
   </p:clrMapOvr>
+  <p:transition>
+    <p:cover/>
+  </p:transition>
 </p:sldLayout>
 </file>
 
@@ -6389,7 +6482,8 @@
           <a:p>
             <a:fld id="{2BA20B01-C19F-409D-BE5A-9CCFB349E6BB}" type="datetimeFigureOut">
               <a:rPr lang="en-US" smtClean="0"/>
-              <a:t>6/20/2010</a:t>
+              <a:pPr/>
+              <a:t>6/21/2010</a:t>
             </a:fld>
             <a:endParaRPr lang="en-US"/>
           </a:p>
@@ -7132,6 +7226,7 @@
           <a:p>
             <a:fld id="{E0F092B3-E7DA-48E5-BFF8-BA8E9DA43328}" type="slidenum">
               <a:rPr lang="en-US" smtClean="0"/>
+              <a:pPr/>
               <a:t>‹Nº›</a:t>
             </a:fld>
             <a:endParaRPr lang="en-US"/>
@@ -7143,6 +7238,9 @@
   <p:clrMapOvr>
     <a:overrideClrMapping bg1="dk1" tx1="lt1" bg2="dk2" tx2="lt2" accent1="accent1" accent2="accent2" accent3="accent3" accent4="accent4" accent5="accent5" accent6="accent6" hlink="hlink" folHlink="folHlink"/>
   </p:clrMapOvr>
+  <p:transition>
+    <p:cover/>
+  </p:transition>
 </p:sldLayout>
 </file>
 
@@ -7203,7 +7301,8 @@
           <a:p>
             <a:fld id="{2BA20B01-C19F-409D-BE5A-9CCFB349E6BB}" type="datetimeFigureOut">
               <a:rPr lang="en-US" smtClean="0"/>
-              <a:t>6/20/2010</a:t>
+              <a:pPr/>
+              <a:t>6/21/2010</a:t>
             </a:fld>
             <a:endParaRPr lang="en-US"/>
           </a:p>
@@ -7245,6 +7344,7 @@
           <a:p>
             <a:fld id="{E0F092B3-E7DA-48E5-BFF8-BA8E9DA43328}" type="slidenum">
               <a:rPr lang="en-US" smtClean="0"/>
+              <a:pPr/>
               <a:t>‹Nº›</a:t>
             </a:fld>
             <a:endParaRPr lang="en-US"/>
@@ -7370,6 +7470,9 @@
   <p:clrMapOvr>
     <a:masterClrMapping/>
   </p:clrMapOvr>
+  <p:transition>
+    <p:cover/>
+  </p:transition>
 </p:sldLayout>
 </file>
 
@@ -7439,7 +7542,8 @@
           <a:p>
             <a:fld id="{2BA20B01-C19F-409D-BE5A-9CCFB349E6BB}" type="datetimeFigureOut">
               <a:rPr lang="en-US" smtClean="0"/>
-              <a:t>6/20/2010</a:t>
+              <a:pPr/>
+              <a:t>6/21/2010</a:t>
             </a:fld>
             <a:endParaRPr lang="en-US"/>
           </a:p>
@@ -7481,6 +7585,7 @@
           <a:p>
             <a:fld id="{E0F092B3-E7DA-48E5-BFF8-BA8E9DA43328}" type="slidenum">
               <a:rPr lang="en-US" smtClean="0"/>
+              <a:pPr/>
               <a:t>‹Nº›</a:t>
             </a:fld>
             <a:endParaRPr lang="en-US"/>
@@ -7702,6 +7807,9 @@
   <p:clrMapOvr>
     <a:masterClrMapping/>
   </p:clrMapOvr>
+  <p:transition>
+    <p:cover/>
+  </p:transition>
 </p:sldLayout>
 </file>
 
@@ -7762,7 +7870,8 @@
           <a:p>
             <a:fld id="{2BA20B01-C19F-409D-BE5A-9CCFB349E6BB}" type="datetimeFigureOut">
               <a:rPr lang="en-US" smtClean="0"/>
-              <a:t>6/20/2010</a:t>
+              <a:pPr/>
+              <a:t>6/21/2010</a:t>
             </a:fld>
             <a:endParaRPr lang="en-US"/>
           </a:p>
@@ -7785,6 +7894,7 @@
           <a:p>
             <a:fld id="{E0F092B3-E7DA-48E5-BFF8-BA8E9DA43328}" type="slidenum">
               <a:rPr lang="en-US" smtClean="0"/>
+              <a:pPr/>
               <a:t>‹Nº›</a:t>
             </a:fld>
             <a:endParaRPr lang="en-US"/>
@@ -7815,6 +7925,9 @@
   <p:clrMapOvr>
     <a:masterClrMapping/>
   </p:clrMapOvr>
+  <p:transition>
+    <p:cover/>
+  </p:transition>
 </p:sldLayout>
 </file>
 
@@ -7852,7 +7965,8 @@
           <a:p>
             <a:fld id="{2BA20B01-C19F-409D-BE5A-9CCFB349E6BB}" type="datetimeFigureOut">
               <a:rPr lang="en-US" smtClean="0"/>
-              <a:t>6/20/2010</a:t>
+              <a:pPr/>
+              <a:t>6/21/2010</a:t>
             </a:fld>
             <a:endParaRPr lang="en-US"/>
           </a:p>
@@ -7894,6 +8008,7 @@
           <a:p>
             <a:fld id="{E0F092B3-E7DA-48E5-BFF8-BA8E9DA43328}" type="slidenum">
               <a:rPr lang="en-US" smtClean="0"/>
+              <a:pPr/>
               <a:t>‹Nº›</a:t>
             </a:fld>
             <a:endParaRPr lang="en-US"/>
@@ -7905,6 +8020,9 @@
   <p:clrMapOvr>
     <a:masterClrMapping/>
   </p:clrMapOvr>
+  <p:transition>
+    <p:cover/>
+  </p:transition>
 </p:sldLayout>
 </file>
 
@@ -8369,7 +8487,8 @@
           <a:p>
             <a:fld id="{2BA20B01-C19F-409D-BE5A-9CCFB349E6BB}" type="datetimeFigureOut">
               <a:rPr lang="en-US" smtClean="0"/>
-              <a:t>6/20/2010</a:t>
+              <a:pPr/>
+              <a:t>6/21/2010</a:t>
             </a:fld>
             <a:endParaRPr lang="en-US"/>
           </a:p>
@@ -8392,6 +8511,7 @@
           <a:p>
             <a:fld id="{E0F092B3-E7DA-48E5-BFF8-BA8E9DA43328}" type="slidenum">
               <a:rPr lang="en-US" smtClean="0"/>
+              <a:pPr/>
               <a:t>‹Nº›</a:t>
             </a:fld>
             <a:endParaRPr lang="en-US"/>
@@ -8422,6 +8542,9 @@
   <p:clrMapOvr>
     <a:overrideClrMapping bg1="lt1" tx1="dk1" bg2="lt2" tx2="dk2" accent1="accent1" accent2="accent2" accent3="accent3" accent4="accent4" accent5="accent5" accent6="accent6" hlink="hlink" folHlink="folHlink"/>
   </p:clrMapOvr>
+  <p:transition>
+    <p:cover/>
+  </p:transition>
 </p:sldLayout>
 </file>
 
@@ -8880,7 +9003,8 @@
           <a:p>
             <a:fld id="{2BA20B01-C19F-409D-BE5A-9CCFB349E6BB}" type="datetimeFigureOut">
               <a:rPr lang="en-US" smtClean="0"/>
-              <a:t>6/20/2010</a:t>
+              <a:pPr/>
+              <a:t>6/21/2010</a:t>
             </a:fld>
             <a:endParaRPr lang="en-US"/>
           </a:p>
@@ -8903,6 +9027,7 @@
           <a:p>
             <a:fld id="{E0F092B3-E7DA-48E5-BFF8-BA8E9DA43328}" type="slidenum">
               <a:rPr lang="en-US" smtClean="0"/>
+              <a:pPr/>
               <a:t>‹Nº›</a:t>
             </a:fld>
             <a:endParaRPr lang="en-US"/>
@@ -8933,6 +9058,9 @@
   <p:clrMapOvr>
     <a:masterClrMapping/>
   </p:clrMapOvr>
+  <p:transition>
+    <p:cover/>
+  </p:transition>
 </p:sldLayout>
 </file>
 
@@ -9125,7 +9253,8 @@
           <a:p>
             <a:fld id="{2BA20B01-C19F-409D-BE5A-9CCFB349E6BB}" type="datetimeFigureOut">
               <a:rPr lang="en-US" smtClean="0"/>
-              <a:t>6/20/2010</a:t>
+              <a:pPr/>
+              <a:t>6/21/2010</a:t>
             </a:fld>
             <a:endParaRPr lang="en-US"/>
           </a:p>
@@ -9401,6 +9530,7 @@
           <a:p>
             <a:fld id="{E0F092B3-E7DA-48E5-BFF8-BA8E9DA43328}" type="slidenum">
               <a:rPr lang="en-US" smtClean="0"/>
+              <a:pPr/>
               <a:t>‹Nº›</a:t>
             </a:fld>
             <a:endParaRPr lang="en-US"/>
@@ -9423,6 +9553,9 @@
     <p:sldLayoutId id="2147483670" r:id="rId10"/>
     <p:sldLayoutId id="2147483671" r:id="rId11"/>
   </p:sldLayoutIdLst>
+  <p:transition>
+    <p:cover/>
+  </p:transition>
   <p:txStyles>
     <p:titleStyle>
       <a:lvl1pPr algn="l" rtl="0" eaLnBrk="1" latinLnBrk="0" hangingPunct="1">
@@ -9945,6 +10078,9 @@
   <p:clrMapOvr>
     <a:masterClrMapping/>
   </p:clrMapOvr>
+  <p:transition>
+    <p:cover/>
+  </p:transition>
   <p:timing>
     <p:tnLst>
       <p:par>
@@ -10312,19 +10448,7 @@
             </a:pPr>
             <a:r>
               <a:rPr lang="es-AR" smtClean="0"/>
-              <a:t>Aplicaciones</a:t>
-            </a:r>
-            <a:r>
-              <a:rPr lang="es-AR" smtClean="0"/>
-              <a:t> </a:t>
-            </a:r>
-            <a:r>
-              <a:rPr lang="es-AR" smtClean="0"/>
-              <a:t>M</a:t>
-            </a:r>
-            <a:r>
-              <a:rPr lang="es-AR" smtClean="0"/>
-              <a:t>óviles</a:t>
+              <a:t>Aplicaciones Móviles</a:t>
             </a:r>
             <a:endParaRPr lang="es-AR"/>
           </a:p>
@@ -10471,15 +10595,7 @@
             </a:pPr>
             <a:r>
               <a:rPr lang="es-AR" dirty="0" smtClean="0"/>
-              <a:t>Despliegue autom</a:t>
-            </a:r>
-            <a:r>
-              <a:rPr lang="es-AR" dirty="0" smtClean="0"/>
-              <a:t>ático de </a:t>
-            </a:r>
-            <a:r>
-              <a:rPr lang="es-AR" dirty="0" smtClean="0"/>
-              <a:t>Web </a:t>
+              <a:t>Despliegue automático de Web </a:t>
             </a:r>
             <a:r>
               <a:rPr lang="es-AR" dirty="0" err="1" smtClean="0"/>
@@ -10633,6 +10749,9 @@
   <p:clrMapOvr>
     <a:masterClrMapping/>
   </p:clrMapOvr>
+  <p:transition>
+    <p:cover/>
+  </p:transition>
   <p:timing>
     <p:tnLst>
       <p:par>
@@ -11792,6 +11911,9 @@
   <p:clrMapOvr>
     <a:masterClrMapping/>
   </p:clrMapOvr>
+  <p:transition>
+    <p:cover/>
+  </p:transition>
   <p:timing>
     <p:tnLst>
       <p:par>
@@ -12260,6 +12382,9 @@
   <p:clrMapOvr>
     <a:masterClrMapping/>
   </p:clrMapOvr>
+  <p:transition>
+    <p:cover/>
+  </p:transition>
   <p:timing>
     <p:tnLst>
       <p:par>
@@ -12334,6 +12459,9 @@
   <p:clrMapOvr>
     <a:masterClrMapping/>
   </p:clrMapOvr>
+  <p:transition>
+    <p:cover/>
+  </p:transition>
   <p:timing>
     <p:tnLst>
       <p:par>
@@ -12408,6 +12536,9 @@
   <p:clrMapOvr>
     <a:masterClrMapping/>
   </p:clrMapOvr>
+  <p:transition>
+    <p:cover/>
+  </p:transition>
   <p:timing>
     <p:tnLst>
       <p:par>
@@ -12482,6 +12613,9 @@
   <p:clrMapOvr>
     <a:masterClrMapping/>
   </p:clrMapOvr>
+  <p:transition>
+    <p:cover/>
+  </p:transition>
   <p:timing>
     <p:tnLst>
       <p:par>
@@ -14331,7 +14465,9 @@
   <p:clrMapOvr>
     <a:masterClrMapping/>
   </p:clrMapOvr>
-  <p:transition/>
+  <p:transition>
+    <p:cover/>
+  </p:transition>
   <p:timing>
     <p:tnLst>
       <p:par>
@@ -14942,6 +15078,9 @@
   <p:clrMapOvr>
     <a:masterClrMapping/>
   </p:clrMapOvr>
+  <p:transition>
+    <p:cover/>
+  </p:transition>
   <p:timing>
     <p:tnLst>
       <p:par>
@@ -15121,6 +15260,9 @@
   <p:clrMapOvr>
     <a:masterClrMapping/>
   </p:clrMapOvr>
+  <p:transition>
+    <p:cover/>
+  </p:transition>
   <p:timing>
     <p:tnLst>
       <p:par>
@@ -15276,6 +15418,9 @@
   <p:clrMapOvr>
     <a:masterClrMapping/>
   </p:clrMapOvr>
+  <p:transition>
+    <p:cover/>
+  </p:transition>
   <p:timing>
     <p:tnLst>
       <p:par>
@@ -15410,6 +15555,9 @@
   <p:clrMapOvr>
     <a:masterClrMapping/>
   </p:clrMapOvr>
+  <p:transition>
+    <p:cover/>
+  </p:transition>
   <p:timing>
     <p:tnLst>
       <p:par>
@@ -16727,6 +16875,9 @@
   <p:clrMapOvr>
     <a:masterClrMapping/>
   </p:clrMapOvr>
+  <p:transition>
+    <p:cover/>
+  </p:transition>
   <p:timing>
     <p:tnLst>
       <p:par>
@@ -17691,6 +17842,9 @@
   <p:clrMapOvr>
     <a:masterClrMapping/>
   </p:clrMapOvr>
+  <p:transition>
+    <p:cover/>
+  </p:transition>
   <p:timing>
     <p:tnLst>
       <p:par>
@@ -17863,6 +18017,9 @@
   <p:clrMapOvr>
     <a:masterClrMapping/>
   </p:clrMapOvr>
+  <p:transition>
+    <p:cover/>
+  </p:transition>
   <p:timing>
     <p:tnLst>
       <p:par>
@@ -17995,6 +18152,9 @@
   <p:clrMapOvr>
     <a:masterClrMapping/>
   </p:clrMapOvr>
+  <p:transition>
+    <p:cover/>
+  </p:transition>
   <p:timing>
     <p:tnLst>
       <p:par>
@@ -18235,6 +18395,9 @@
   <p:clrMapOvr>
     <a:masterClrMapping/>
   </p:clrMapOvr>
+  <p:transition>
+    <p:cover/>
+  </p:transition>
   <p:timing>
     <p:tnLst>
       <p:par>
@@ -18781,6 +18944,9 @@
   <p:clrMapOvr>
     <a:masterClrMapping/>
   </p:clrMapOvr>
+  <p:transition>
+    <p:cover/>
+  </p:transition>
   <p:timing>
     <p:tnLst>
       <p:par>
@@ -19495,6 +19661,9 @@
   <p:clrMapOvr>
     <a:masterClrMapping/>
   </p:clrMapOvr>
+  <p:transition>
+    <p:cover/>
+  </p:transition>
   <p:timing>
     <p:tnLst>
       <p:par>
@@ -19944,6 +20113,9 @@
   <p:clrMapOvr>
     <a:masterClrMapping/>
   </p:clrMapOvr>
+  <p:transition>
+    <p:cover/>
+  </p:transition>
   <p:timing>
     <p:tnLst>
       <p:par>
@@ -20060,6 +20232,9 @@
   <p:clrMapOvr>
     <a:masterClrMapping/>
   </p:clrMapOvr>
+  <p:transition>
+    <p:cover/>
+  </p:transition>
   <p:timing>
     <p:tnLst>
       <p:par>
@@ -20636,6 +20811,9 @@
   <p:clrMapOvr>
     <a:masterClrMapping/>
   </p:clrMapOvr>
+  <p:transition>
+    <p:cover/>
+  </p:transition>
   <p:timing>
     <p:tnLst>
       <p:par>
@@ -21403,6 +21581,9 @@
   <p:clrMapOvr>
     <a:masterClrMapping/>
   </p:clrMapOvr>
+  <p:transition>
+    <p:cover/>
+  </p:transition>
   <p:timing>
     <p:tnLst>
       <p:par>
@@ -21793,6 +21974,9 @@
   <p:clrMapOvr>
     <a:masterClrMapping/>
   </p:clrMapOvr>
+  <p:transition>
+    <p:cover/>
+  </p:transition>
   <p:timing>
     <p:tnLst>
       <p:par>
@@ -23091,6 +23275,9 @@
   <p:clrMapOvr>
     <a:masterClrMapping/>
   </p:clrMapOvr>
+  <p:transition>
+    <p:cover/>
+  </p:transition>
   <p:timing>
     <p:tnLst>
       <p:par>
@@ -23659,6 +23846,9 @@
   <p:clrMapOvr>
     <a:masterClrMapping/>
   </p:clrMapOvr>
+  <p:transition>
+    <p:cover/>
+  </p:transition>
   <p:timing>
     <p:tnLst>
       <p:par>
@@ -23733,6 +23923,9 @@
   <p:clrMapOvr>
     <a:masterClrMapping/>
   </p:clrMapOvr>
+  <p:transition>
+    <p:cover/>
+  </p:transition>
   <p:timing>
     <p:tnLst>
       <p:par>
